--- a/MobilePart/ICP Presentation 2/ICP Presentation Two.pptx
+++ b/MobilePart/ICP Presentation 2/ICP Presentation Two.pptx
@@ -19085,7 +19085,15 @@
               </a:rPr>
               <a:t>Video Link: </a:t>
             </a:r>
-            <a:endParaRPr lang="en-US" sz="2500" b="1" dirty="0">
+            <a:r>
+              <a:rPr lang="en-US" sz="2500" dirty="0">
+                <a:latin typeface="Times New Roman" panose="02020603050405020304" pitchFamily="18" charset="0"/>
+                <a:cs typeface="Times New Roman" panose="02020603050405020304" pitchFamily="18" charset="0"/>
+                <a:hlinkClick r:id="rId6"/>
+              </a:rPr>
+              <a:t>https://youtu.be/JQbjO65Wl6s</a:t>
+            </a:r>
+            <a:endParaRPr lang="en-US" sz="2500" dirty="0">
               <a:latin typeface="Times New Roman" panose="02020603050405020304" pitchFamily="18" charset="0"/>
               <a:cs typeface="Times New Roman" panose="02020603050405020304" pitchFamily="18" charset="0"/>
             </a:endParaRPr>
@@ -19102,14 +19110,9 @@
   <p:clrMapOvr>
     <a:masterClrMapping/>
   </p:clrMapOvr>
-  <mc:AlternateContent xmlns:mc="http://schemas.openxmlformats.org/markup-compatibility/2006" xmlns:p14="http://schemas.microsoft.com/office/powerpoint/2010/main">
-    <mc:Choice Requires="p14">
-      <p:transition p14:dur="0"/>
-    </mc:Choice>
-    <mc:Fallback xmlns="">
-      <p:transition/>
-    </mc:Fallback>
-  </mc:AlternateContent>
+  <p:transition spd="slow">
+    <p:cover/>
+  </p:transition>
   <p:timing>
     <p:tnLst>
       <p:par>
@@ -19255,11 +19258,11 @@
           <a:lstStyle/>
           <a:p>
             <a:r>
-              <a:rPr lang="en-US" b="1" dirty="0" err="1" smtClean="0">
+              <a:rPr lang="en-US" b="1" smtClean="0">
                 <a:latin typeface="Times New Roman" panose="02020603050405020304" pitchFamily="18" charset="0"/>
                 <a:cs typeface="Times New Roman" panose="02020603050405020304" pitchFamily="18" charset="0"/>
               </a:rPr>
-              <a:t>Considerarions</a:t>
+              <a:t>Considerations</a:t>
             </a:r>
             <a:r>
               <a:rPr lang="en-US" b="1" dirty="0">
@@ -19357,14 +19360,9 @@
   <p:clrMapOvr>
     <a:masterClrMapping/>
   </p:clrMapOvr>
-  <mc:AlternateContent xmlns:mc="http://schemas.openxmlformats.org/markup-compatibility/2006" xmlns:p14="http://schemas.microsoft.com/office/powerpoint/2010/main">
-    <mc:Choice Requires="p14">
-      <p:transition p14:dur="0"/>
-    </mc:Choice>
-    <mc:Fallback xmlns="">
-      <p:transition/>
-    </mc:Fallback>
-  </mc:AlternateContent>
+  <p:transition spd="slow">
+    <p:push dir="u"/>
+  </p:transition>
   <p:timing>
     <p:tnLst>
       <p:par>
